--- a/09. Web Testing/Web Testing.pptx
+++ b/09. Web Testing/Web Testing.pptx
@@ -5,7 +5,7 @@
     <p:sldMasterId id="2147483660" r:id="rId1"/>
   </p:sldMasterIdLst>
   <p:notesMasterIdLst>
-    <p:notesMasterId r:id="rId35"/>
+    <p:notesMasterId r:id="rId34"/>
   </p:notesMasterIdLst>
   <p:sldIdLst>
     <p:sldId id="257" r:id="rId2"/>
@@ -38,9 +38,8 @@
     <p:sldId id="285" r:id="rId29"/>
     <p:sldId id="286" r:id="rId30"/>
     <p:sldId id="310" r:id="rId31"/>
-    <p:sldId id="300" r:id="rId32"/>
-    <p:sldId id="287" r:id="rId33"/>
-    <p:sldId id="313" r:id="rId34"/>
+    <p:sldId id="287" r:id="rId32"/>
+    <p:sldId id="313" r:id="rId33"/>
   </p:sldIdLst>
   <p:sldSz cx="9144000" cy="6858000" type="screen4x3"/>
   <p:notesSz cx="6858000" cy="9144000"/>
@@ -259,7 +258,7 @@
           <a:p>
             <a:fld id="{2F0FDA7A-995C-42B0-A2C2-956BEC1FE610}" type="datetimeFigureOut">
               <a:rPr lang="en-US" smtClean="0"/>
-              <a:t>11/22/2015</a:t>
+              <a:t>11/23/2015</a:t>
             </a:fld>
             <a:endParaRPr lang="en-US"/>
           </a:p>
@@ -11081,11 +11080,7 @@
           <a:p>
             <a:r>
               <a:rPr lang="en-US" dirty="0" smtClean="0"/>
-              <a:t>Interface </a:t>
-            </a:r>
-            <a:r>
-              <a:rPr lang="en-US" dirty="0" smtClean="0"/>
-              <a:t>Testing</a:t>
+              <a:t>Interface Testing</a:t>
             </a:r>
           </a:p>
           <a:p>
@@ -11380,11 +11375,7 @@
           <a:p>
             <a:r>
               <a:rPr lang="en-US" dirty="0" smtClean="0"/>
-              <a:t>Compatibility </a:t>
-            </a:r>
-            <a:r>
-              <a:rPr lang="en-US" dirty="0" smtClean="0"/>
-              <a:t>Testing</a:t>
+              <a:t>Compatibility Testing</a:t>
             </a:r>
           </a:p>
           <a:p>
@@ -14036,1144 +14027,6 @@
       </p:grpSpPr>
       <p:sp>
         <p:nvSpPr>
-          <p:cNvPr id="2" name="Title 1"/>
-          <p:cNvSpPr>
-            <a:spLocks noGrp="1"/>
-          </p:cNvSpPr>
-          <p:nvPr>
-            <p:ph type="title"/>
-          </p:nvPr>
-        </p:nvSpPr>
-        <p:spPr>
-          <a:xfrm>
-            <a:off x="1828800" y="246529"/>
-            <a:ext cx="7086600" cy="838200"/>
-          </a:xfrm>
-        </p:spPr>
-        <p:txBody>
-          <a:bodyPr/>
-          <a:lstStyle/>
-          <a:p>
-            <a:r>
-              <a:rPr lang="en-US" dirty="0" smtClean="0"/>
-              <a:t>Differences between Desktop, Client Server and Web Apps  </a:t>
-            </a:r>
-            <a:endParaRPr lang="en-US" dirty="0"/>
-          </a:p>
-        </p:txBody>
-      </p:sp>
-      <p:graphicFrame>
-        <p:nvGraphicFramePr>
-          <p:cNvPr id="5" name="Content Placeholder 4"/>
-          <p:cNvGraphicFramePr>
-            <a:graphicFrameLocks noGrp="1"/>
-          </p:cNvGraphicFramePr>
-          <p:nvPr>
-            <p:ph idx="1"/>
-            <p:extLst>
-              <p:ext uri="{D42A27DB-BD31-4B8C-83A1-F6EECF244321}">
-                <p14:modId xmlns:p14="http://schemas.microsoft.com/office/powerpoint/2010/main" val="1080068130"/>
-              </p:ext>
-            </p:extLst>
-          </p:nvPr>
-        </p:nvGraphicFramePr>
-        <p:xfrm>
-          <a:off x="228600" y="1801815"/>
-          <a:ext cx="8686800" cy="4079240"/>
-        </p:xfrm>
-        <a:graphic>
-          <a:graphicData uri="http://schemas.openxmlformats.org/drawingml/2006/table">
-            <a:tbl>
-              <a:tblPr firstRow="1" bandRow="1">
-                <a:tableStyleId>{7E9639D4-E3E2-4D34-9284-5A2195B3D0D7}</a:tableStyleId>
-              </a:tblPr>
-              <a:tblGrid>
-                <a:gridCol w="2895600"/>
-                <a:gridCol w="2895600"/>
-                <a:gridCol w="2895600"/>
-              </a:tblGrid>
-              <a:tr h="370840">
-                <a:tc>
-                  <a:txBody>
-                    <a:bodyPr/>
-                    <a:lstStyle/>
-                    <a:p>
-                      <a:pPr algn="l"/>
-                      <a:r>
-                        <a:rPr lang="en-US" dirty="0" smtClean="0"/>
-                        <a:t>Desktop App</a:t>
-                      </a:r>
-                      <a:endParaRPr lang="en-US" dirty="0"/>
-                    </a:p>
-                  </a:txBody>
-                  <a:tcPr/>
-                </a:tc>
-                <a:tc>
-                  <a:txBody>
-                    <a:bodyPr/>
-                    <a:lstStyle/>
-                    <a:p>
-                      <a:pPr algn="l"/>
-                      <a:r>
-                        <a:rPr lang="en-US" dirty="0" smtClean="0"/>
-                        <a:t>Client</a:t>
-                      </a:r>
-                      <a:r>
-                        <a:rPr lang="en-US" baseline="0" dirty="0" smtClean="0"/>
-                        <a:t> Server App</a:t>
-                      </a:r>
-                      <a:endParaRPr lang="en-US" dirty="0"/>
-                    </a:p>
-                  </a:txBody>
-                  <a:tcPr/>
-                </a:tc>
-                <a:tc>
-                  <a:txBody>
-                    <a:bodyPr/>
-                    <a:lstStyle/>
-                    <a:p>
-                      <a:pPr algn="l"/>
-                      <a:r>
-                        <a:rPr lang="en-US" dirty="0" smtClean="0"/>
-                        <a:t>Web App</a:t>
-                      </a:r>
-                      <a:endParaRPr lang="en-US" dirty="0"/>
-                    </a:p>
-                  </a:txBody>
-                  <a:tcPr/>
-                </a:tc>
-              </a:tr>
-              <a:tr h="370840">
-                <a:tc>
-                  <a:txBody>
-                    <a:bodyPr/>
-                    <a:lstStyle/>
-                    <a:p>
-                      <a:pPr marL="0" algn="l" rtl="0" eaLnBrk="1" hangingPunct="1"/>
-                      <a:r>
-                        <a:rPr lang="en-US" sz="1600" b="1" kern="1200" dirty="0" smtClean="0">
-                          <a:solidFill>
-                            <a:schemeClr val="tx1">
-                              <a:lumMod val="20000"/>
-                              <a:lumOff val="80000"/>
-                            </a:schemeClr>
-                          </a:solidFill>
-                          <a:effectLst>
-                            <a:outerShdw blurRad="38100" dist="38100" dir="2700000" algn="tl">
-                              <a:srgbClr val="000000">
-                                <a:alpha val="43137"/>
-                              </a:srgbClr>
-                            </a:outerShdw>
-                          </a:effectLst>
-                          <a:latin typeface="+mn-lt"/>
-                          <a:ea typeface="+mn-ea"/>
-                          <a:cs typeface="+mn-cs"/>
-                        </a:rPr>
-                        <a:t>Single tier app</a:t>
-                      </a:r>
-                      <a:endParaRPr lang="en-US" sz="1600" b="1" kern="1200" dirty="0">
-                        <a:solidFill>
-                          <a:schemeClr val="tx1">
-                            <a:lumMod val="20000"/>
-                            <a:lumOff val="80000"/>
-                          </a:schemeClr>
-                        </a:solidFill>
-                        <a:effectLst>
-                          <a:outerShdw blurRad="38100" dist="38100" dir="2700000" algn="tl">
-                            <a:srgbClr val="000000">
-                              <a:alpha val="43137"/>
-                            </a:srgbClr>
-                          </a:outerShdw>
-                        </a:effectLst>
-                        <a:latin typeface="+mn-lt"/>
-                        <a:ea typeface="+mn-ea"/>
-                        <a:cs typeface="+mn-cs"/>
-                      </a:endParaRPr>
-                    </a:p>
-                  </a:txBody>
-                  <a:tcPr/>
-                </a:tc>
-                <a:tc>
-                  <a:txBody>
-                    <a:bodyPr/>
-                    <a:lstStyle/>
-                    <a:p>
-                      <a:pPr marL="0" algn="l" rtl="0" eaLnBrk="1" hangingPunct="1"/>
-                      <a:r>
-                        <a:rPr lang="en-US" sz="1600" b="1" kern="1200" dirty="0" smtClean="0">
-                          <a:solidFill>
-                            <a:schemeClr val="tx1">
-                              <a:lumMod val="20000"/>
-                              <a:lumOff val="80000"/>
-                            </a:schemeClr>
-                          </a:solidFill>
-                          <a:effectLst>
-                            <a:outerShdw blurRad="38100" dist="38100" dir="2700000" algn="tl">
-                              <a:srgbClr val="000000">
-                                <a:alpha val="43137"/>
-                              </a:srgbClr>
-                            </a:outerShdw>
-                          </a:effectLst>
-                          <a:latin typeface="+mn-lt"/>
-                          <a:ea typeface="+mn-ea"/>
-                          <a:cs typeface="+mn-cs"/>
-                        </a:rPr>
-                        <a:t>2 tier app</a:t>
-                      </a:r>
-                      <a:endParaRPr lang="en-US" sz="1600" b="1" kern="1200" dirty="0">
-                        <a:solidFill>
-                          <a:schemeClr val="tx1">
-                            <a:lumMod val="20000"/>
-                            <a:lumOff val="80000"/>
-                          </a:schemeClr>
-                        </a:solidFill>
-                        <a:effectLst>
-                          <a:outerShdw blurRad="38100" dist="38100" dir="2700000" algn="tl">
-                            <a:srgbClr val="000000">
-                              <a:alpha val="43137"/>
-                            </a:srgbClr>
-                          </a:outerShdw>
-                        </a:effectLst>
-                        <a:latin typeface="+mn-lt"/>
-                        <a:ea typeface="+mn-ea"/>
-                        <a:cs typeface="+mn-cs"/>
-                      </a:endParaRPr>
-                    </a:p>
-                  </a:txBody>
-                  <a:tcPr/>
-                </a:tc>
-                <a:tc>
-                  <a:txBody>
-                    <a:bodyPr/>
-                    <a:lstStyle/>
-                    <a:p>
-                      <a:pPr marL="0" algn="l" rtl="0" eaLnBrk="1" hangingPunct="1"/>
-                      <a:r>
-                        <a:rPr lang="en-US" sz="1600" b="1" kern="1200" dirty="0" smtClean="0">
-                          <a:solidFill>
-                            <a:schemeClr val="tx1">
-                              <a:lumMod val="20000"/>
-                              <a:lumOff val="80000"/>
-                            </a:schemeClr>
-                          </a:solidFill>
-                          <a:effectLst>
-                            <a:outerShdw blurRad="38100" dist="38100" dir="2700000" algn="tl">
-                              <a:srgbClr val="000000">
-                                <a:alpha val="43137"/>
-                              </a:srgbClr>
-                            </a:outerShdw>
-                          </a:effectLst>
-                          <a:latin typeface="+mn-lt"/>
-                          <a:ea typeface="+mn-ea"/>
-                          <a:cs typeface="+mn-cs"/>
-                        </a:rPr>
-                        <a:t>3 tier app</a:t>
-                      </a:r>
-                      <a:endParaRPr lang="en-US" sz="1600" b="1" kern="1200" dirty="0">
-                        <a:solidFill>
-                          <a:schemeClr val="tx1">
-                            <a:lumMod val="20000"/>
-                            <a:lumOff val="80000"/>
-                          </a:schemeClr>
-                        </a:solidFill>
-                        <a:effectLst>
-                          <a:outerShdw blurRad="38100" dist="38100" dir="2700000" algn="tl">
-                            <a:srgbClr val="000000">
-                              <a:alpha val="43137"/>
-                            </a:srgbClr>
-                          </a:outerShdw>
-                        </a:effectLst>
-                        <a:latin typeface="+mn-lt"/>
-                        <a:ea typeface="+mn-ea"/>
-                        <a:cs typeface="+mn-cs"/>
-                      </a:endParaRPr>
-                    </a:p>
-                  </a:txBody>
-                  <a:tcPr/>
-                </a:tc>
-              </a:tr>
-              <a:tr h="370840">
-                <a:tc>
-                  <a:txBody>
-                    <a:bodyPr/>
-                    <a:lstStyle/>
-                    <a:p>
-                      <a:pPr marL="0" algn="l" rtl="0" eaLnBrk="1" hangingPunct="1"/>
-                      <a:r>
-                        <a:rPr lang="en-US" sz="1600" b="1" kern="1200" dirty="0" smtClean="0">
-                          <a:solidFill>
-                            <a:schemeClr val="tx1">
-                              <a:lumMod val="20000"/>
-                              <a:lumOff val="80000"/>
-                            </a:schemeClr>
-                          </a:solidFill>
-                          <a:effectLst>
-                            <a:outerShdw blurRad="38100" dist="38100" dir="2700000" algn="tl">
-                              <a:srgbClr val="000000">
-                                <a:alpha val="43137"/>
-                              </a:srgbClr>
-                            </a:outerShdw>
-                          </a:effectLst>
-                          <a:latin typeface="+mn-lt"/>
-                          <a:ea typeface="+mn-ea"/>
-                          <a:cs typeface="+mn-cs"/>
-                        </a:rPr>
-                        <a:t>App runs in single system  </a:t>
-                      </a:r>
-                      <a:endParaRPr lang="en-US" sz="1600" b="1" kern="1200" dirty="0">
-                        <a:solidFill>
-                          <a:schemeClr val="tx1">
-                            <a:lumMod val="20000"/>
-                            <a:lumOff val="80000"/>
-                          </a:schemeClr>
-                        </a:solidFill>
-                        <a:effectLst>
-                          <a:outerShdw blurRad="38100" dist="38100" dir="2700000" algn="tl">
-                            <a:srgbClr val="000000">
-                              <a:alpha val="43137"/>
-                            </a:srgbClr>
-                          </a:outerShdw>
-                        </a:effectLst>
-                        <a:latin typeface="+mn-lt"/>
-                        <a:ea typeface="+mn-ea"/>
-                        <a:cs typeface="+mn-cs"/>
-                      </a:endParaRPr>
-                    </a:p>
-                  </a:txBody>
-                  <a:tcPr/>
-                </a:tc>
-                <a:tc>
-                  <a:txBody>
-                    <a:bodyPr/>
-                    <a:lstStyle/>
-                    <a:p>
-                      <a:pPr marL="0" algn="l" rtl="0" eaLnBrk="1" hangingPunct="1"/>
-                      <a:r>
-                        <a:rPr lang="en-US" sz="1600" b="1" kern="1200" dirty="0" smtClean="0">
-                          <a:solidFill>
-                            <a:schemeClr val="tx1">
-                              <a:lumMod val="20000"/>
-                              <a:lumOff val="80000"/>
-                            </a:schemeClr>
-                          </a:solidFill>
-                          <a:effectLst>
-                            <a:outerShdw blurRad="38100" dist="38100" dir="2700000" algn="tl">
-                              <a:srgbClr val="000000">
-                                <a:alpha val="43137"/>
-                              </a:srgbClr>
-                            </a:outerShdw>
-                          </a:effectLst>
-                          <a:latin typeface="+mn-lt"/>
-                          <a:ea typeface="+mn-ea"/>
-                          <a:cs typeface="+mn-cs"/>
-                        </a:rPr>
-                        <a:t>App runs in two or more systems</a:t>
-                      </a:r>
-                      <a:endParaRPr lang="en-US" sz="1600" b="1" kern="1200" dirty="0">
-                        <a:solidFill>
-                          <a:schemeClr val="tx1">
-                            <a:lumMod val="20000"/>
-                            <a:lumOff val="80000"/>
-                          </a:schemeClr>
-                        </a:solidFill>
-                        <a:effectLst>
-                          <a:outerShdw blurRad="38100" dist="38100" dir="2700000" algn="tl">
-                            <a:srgbClr val="000000">
-                              <a:alpha val="43137"/>
-                            </a:srgbClr>
-                          </a:outerShdw>
-                        </a:effectLst>
-                        <a:latin typeface="+mn-lt"/>
-                        <a:ea typeface="+mn-ea"/>
-                        <a:cs typeface="+mn-cs"/>
-                      </a:endParaRPr>
-                    </a:p>
-                  </a:txBody>
-                  <a:tcPr/>
-                </a:tc>
-                <a:tc>
-                  <a:txBody>
-                    <a:bodyPr/>
-                    <a:lstStyle/>
-                    <a:p>
-                      <a:pPr marL="0" algn="l" rtl="0" eaLnBrk="1" hangingPunct="1"/>
-                      <a:r>
-                        <a:rPr lang="en-US" sz="1600" b="1" kern="1200" dirty="0" smtClean="0">
-                          <a:solidFill>
-                            <a:schemeClr val="tx1">
-                              <a:lumMod val="20000"/>
-                              <a:lumOff val="80000"/>
-                            </a:schemeClr>
-                          </a:solidFill>
-                          <a:effectLst>
-                            <a:outerShdw blurRad="38100" dist="38100" dir="2700000" algn="tl">
-                              <a:srgbClr val="000000">
-                                <a:alpha val="43137"/>
-                              </a:srgbClr>
-                            </a:outerShdw>
-                          </a:effectLst>
-                          <a:latin typeface="+mn-lt"/>
-                          <a:ea typeface="+mn-ea"/>
-                          <a:cs typeface="+mn-cs"/>
-                        </a:rPr>
-                        <a:t>App runs in two or more systems</a:t>
-                      </a:r>
-                      <a:endParaRPr lang="en-US" sz="1600" b="1" kern="1200" dirty="0">
-                        <a:solidFill>
-                          <a:schemeClr val="tx1">
-                            <a:lumMod val="20000"/>
-                            <a:lumOff val="80000"/>
-                          </a:schemeClr>
-                        </a:solidFill>
-                        <a:effectLst>
-                          <a:outerShdw blurRad="38100" dist="38100" dir="2700000" algn="tl">
-                            <a:srgbClr val="000000">
-                              <a:alpha val="43137"/>
-                            </a:srgbClr>
-                          </a:outerShdw>
-                        </a:effectLst>
-                        <a:latin typeface="+mn-lt"/>
-                        <a:ea typeface="+mn-ea"/>
-                        <a:cs typeface="+mn-cs"/>
-                      </a:endParaRPr>
-                    </a:p>
-                  </a:txBody>
-                  <a:tcPr/>
-                </a:tc>
-              </a:tr>
-              <a:tr h="370840">
-                <a:tc>
-                  <a:txBody>
-                    <a:bodyPr/>
-                    <a:lstStyle/>
-                    <a:p>
-                      <a:pPr marL="0" algn="l" rtl="0" eaLnBrk="1" hangingPunct="1"/>
-                      <a:r>
-                        <a:rPr lang="en-US" sz="1600" b="1" kern="1200" dirty="0" smtClean="0">
-                          <a:solidFill>
-                            <a:schemeClr val="tx1">
-                              <a:lumMod val="20000"/>
-                              <a:lumOff val="80000"/>
-                            </a:schemeClr>
-                          </a:solidFill>
-                          <a:effectLst>
-                            <a:outerShdw blurRad="38100" dist="38100" dir="2700000" algn="tl">
-                              <a:srgbClr val="000000">
-                                <a:alpha val="43137"/>
-                              </a:srgbClr>
-                            </a:outerShdw>
-                          </a:effectLst>
-                          <a:latin typeface="+mn-lt"/>
-                          <a:ea typeface="+mn-ea"/>
-                          <a:cs typeface="+mn-cs"/>
-                        </a:rPr>
-                        <a:t>Single user</a:t>
-                      </a:r>
-                      <a:endParaRPr lang="en-US" sz="1600" b="1" kern="1200" dirty="0">
-                        <a:solidFill>
-                          <a:schemeClr val="tx1">
-                            <a:lumMod val="20000"/>
-                            <a:lumOff val="80000"/>
-                          </a:schemeClr>
-                        </a:solidFill>
-                        <a:effectLst>
-                          <a:outerShdw blurRad="38100" dist="38100" dir="2700000" algn="tl">
-                            <a:srgbClr val="000000">
-                              <a:alpha val="43137"/>
-                            </a:srgbClr>
-                          </a:outerShdw>
-                        </a:effectLst>
-                        <a:latin typeface="+mn-lt"/>
-                        <a:ea typeface="+mn-ea"/>
-                        <a:cs typeface="+mn-cs"/>
-                      </a:endParaRPr>
-                    </a:p>
-                  </a:txBody>
-                  <a:tcPr/>
-                </a:tc>
-                <a:tc>
-                  <a:txBody>
-                    <a:bodyPr/>
-                    <a:lstStyle/>
-                    <a:p>
-                      <a:pPr marL="0" algn="l" rtl="0" eaLnBrk="1" hangingPunct="1"/>
-                      <a:r>
-                        <a:rPr lang="en-US" sz="1600" b="1" kern="1200" dirty="0" smtClean="0">
-                          <a:solidFill>
-                            <a:schemeClr val="tx1">
-                              <a:lumMod val="20000"/>
-                              <a:lumOff val="80000"/>
-                            </a:schemeClr>
-                          </a:solidFill>
-                          <a:effectLst>
-                            <a:outerShdw blurRad="38100" dist="38100" dir="2700000" algn="tl">
-                              <a:srgbClr val="000000">
-                                <a:alpha val="43137"/>
-                              </a:srgbClr>
-                            </a:outerShdw>
-                          </a:effectLst>
-                          <a:latin typeface="+mn-lt"/>
-                          <a:ea typeface="+mn-ea"/>
-                          <a:cs typeface="+mn-cs"/>
-                        </a:rPr>
-                        <a:t>Limited number of users</a:t>
-                      </a:r>
-                      <a:endParaRPr lang="en-US" sz="1600" b="1" kern="1200" dirty="0">
-                        <a:solidFill>
-                          <a:schemeClr val="tx1">
-                            <a:lumMod val="20000"/>
-                            <a:lumOff val="80000"/>
-                          </a:schemeClr>
-                        </a:solidFill>
-                        <a:effectLst>
-                          <a:outerShdw blurRad="38100" dist="38100" dir="2700000" algn="tl">
-                            <a:srgbClr val="000000">
-                              <a:alpha val="43137"/>
-                            </a:srgbClr>
-                          </a:outerShdw>
-                        </a:effectLst>
-                        <a:latin typeface="+mn-lt"/>
-                        <a:ea typeface="+mn-ea"/>
-                        <a:cs typeface="+mn-cs"/>
-                      </a:endParaRPr>
-                    </a:p>
-                  </a:txBody>
-                  <a:tcPr/>
-                </a:tc>
-                <a:tc>
-                  <a:txBody>
-                    <a:bodyPr/>
-                    <a:lstStyle/>
-                    <a:p>
-                      <a:pPr marL="0" algn="l" rtl="0" eaLnBrk="1" hangingPunct="1"/>
-                      <a:r>
-                        <a:rPr lang="en-US" sz="1600" b="1" kern="1200" dirty="0" smtClean="0">
-                          <a:solidFill>
-                            <a:schemeClr val="tx1">
-                              <a:lumMod val="20000"/>
-                              <a:lumOff val="80000"/>
-                            </a:schemeClr>
-                          </a:solidFill>
-                          <a:effectLst>
-                            <a:outerShdw blurRad="38100" dist="38100" dir="2700000" algn="tl">
-                              <a:srgbClr val="000000">
-                                <a:alpha val="43137"/>
-                              </a:srgbClr>
-                            </a:outerShdw>
-                          </a:effectLst>
-                          <a:latin typeface="+mn-lt"/>
-                          <a:ea typeface="+mn-ea"/>
-                          <a:cs typeface="+mn-cs"/>
-                        </a:rPr>
-                        <a:t>Unlimited number of users</a:t>
-                      </a:r>
-                      <a:endParaRPr lang="en-US" sz="1600" b="1" kern="1200" dirty="0">
-                        <a:solidFill>
-                          <a:schemeClr val="tx1">
-                            <a:lumMod val="20000"/>
-                            <a:lumOff val="80000"/>
-                          </a:schemeClr>
-                        </a:solidFill>
-                        <a:effectLst>
-                          <a:outerShdw blurRad="38100" dist="38100" dir="2700000" algn="tl">
-                            <a:srgbClr val="000000">
-                              <a:alpha val="43137"/>
-                            </a:srgbClr>
-                          </a:outerShdw>
-                        </a:effectLst>
-                        <a:latin typeface="+mn-lt"/>
-                        <a:ea typeface="+mn-ea"/>
-                        <a:cs typeface="+mn-cs"/>
-                      </a:endParaRPr>
-                    </a:p>
-                  </a:txBody>
-                  <a:tcPr/>
-                </a:tc>
-              </a:tr>
-              <a:tr h="370840">
-                <a:tc>
-                  <a:txBody>
-                    <a:bodyPr/>
-                    <a:lstStyle/>
-                    <a:p>
-                      <a:pPr marL="0" algn="l" rtl="0" eaLnBrk="1" hangingPunct="1"/>
-                      <a:endParaRPr lang="en-US" sz="1600" b="1" kern="1200" dirty="0">
-                        <a:solidFill>
-                          <a:schemeClr val="tx1">
-                            <a:lumMod val="20000"/>
-                            <a:lumOff val="80000"/>
-                          </a:schemeClr>
-                        </a:solidFill>
-                        <a:effectLst>
-                          <a:outerShdw blurRad="38100" dist="38100" dir="2700000" algn="tl">
-                            <a:srgbClr val="000000">
-                              <a:alpha val="43137"/>
-                            </a:srgbClr>
-                          </a:outerShdw>
-                        </a:effectLst>
-                        <a:latin typeface="+mn-lt"/>
-                        <a:ea typeface="+mn-ea"/>
-                        <a:cs typeface="+mn-cs"/>
-                      </a:endParaRPr>
-                    </a:p>
-                  </a:txBody>
-                  <a:tcPr/>
-                </a:tc>
-                <a:tc>
-                  <a:txBody>
-                    <a:bodyPr/>
-                    <a:lstStyle/>
-                    <a:p>
-                      <a:pPr marL="0" algn="l" rtl="0" eaLnBrk="1" hangingPunct="1"/>
-                      <a:r>
-                        <a:rPr lang="en-US" sz="1600" b="1" kern="1200" dirty="0" smtClean="0">
-                          <a:solidFill>
-                            <a:schemeClr val="tx1">
-                              <a:lumMod val="20000"/>
-                              <a:lumOff val="80000"/>
-                            </a:schemeClr>
-                          </a:solidFill>
-                          <a:effectLst>
-                            <a:outerShdw blurRad="38100" dist="38100" dir="2700000" algn="tl">
-                              <a:srgbClr val="000000">
-                                <a:alpha val="43137"/>
-                              </a:srgbClr>
-                            </a:outerShdw>
-                          </a:effectLst>
-                          <a:latin typeface="+mn-lt"/>
-                          <a:ea typeface="+mn-ea"/>
-                          <a:cs typeface="+mn-cs"/>
-                        </a:rPr>
-                        <a:t>Connection exists until logout</a:t>
-                      </a:r>
-                      <a:endParaRPr lang="en-US" sz="1600" b="1" kern="1200" dirty="0">
-                        <a:solidFill>
-                          <a:schemeClr val="tx1">
-                            <a:lumMod val="20000"/>
-                            <a:lumOff val="80000"/>
-                          </a:schemeClr>
-                        </a:solidFill>
-                        <a:effectLst>
-                          <a:outerShdw blurRad="38100" dist="38100" dir="2700000" algn="tl">
-                            <a:srgbClr val="000000">
-                              <a:alpha val="43137"/>
-                            </a:srgbClr>
-                          </a:outerShdw>
-                        </a:effectLst>
-                        <a:latin typeface="+mn-lt"/>
-                        <a:ea typeface="+mn-ea"/>
-                        <a:cs typeface="+mn-cs"/>
-                      </a:endParaRPr>
-                    </a:p>
-                  </a:txBody>
-                  <a:tcPr/>
-                </a:tc>
-                <a:tc>
-                  <a:txBody>
-                    <a:bodyPr/>
-                    <a:lstStyle/>
-                    <a:p>
-                      <a:pPr marL="0" algn="l" rtl="0" eaLnBrk="1" hangingPunct="1"/>
-                      <a:r>
-                        <a:rPr lang="en-US" sz="1600" b="1" kern="1200" dirty="0" smtClean="0">
-                          <a:solidFill>
-                            <a:schemeClr val="tx1">
-                              <a:lumMod val="20000"/>
-                              <a:lumOff val="80000"/>
-                            </a:schemeClr>
-                          </a:solidFill>
-                          <a:effectLst>
-                            <a:outerShdw blurRad="38100" dist="38100" dir="2700000" algn="tl">
-                              <a:srgbClr val="000000">
-                                <a:alpha val="43137"/>
-                              </a:srgbClr>
-                            </a:outerShdw>
-                          </a:effectLst>
-                          <a:latin typeface="+mn-lt"/>
-                          <a:ea typeface="+mn-ea"/>
-                          <a:cs typeface="+mn-cs"/>
-                        </a:rPr>
-                        <a:t>Disconnected mode (stateless) – management of cookies</a:t>
-                      </a:r>
-                      <a:endParaRPr lang="en-US" sz="1600" b="1" kern="1200" dirty="0">
-                        <a:solidFill>
-                          <a:schemeClr val="tx1">
-                            <a:lumMod val="20000"/>
-                            <a:lumOff val="80000"/>
-                          </a:schemeClr>
-                        </a:solidFill>
-                        <a:effectLst>
-                          <a:outerShdw blurRad="38100" dist="38100" dir="2700000" algn="tl">
-                            <a:srgbClr val="000000">
-                              <a:alpha val="43137"/>
-                            </a:srgbClr>
-                          </a:outerShdw>
-                        </a:effectLst>
-                        <a:latin typeface="+mn-lt"/>
-                        <a:ea typeface="+mn-ea"/>
-                        <a:cs typeface="+mn-cs"/>
-                      </a:endParaRPr>
-                    </a:p>
-                  </a:txBody>
-                  <a:tcPr/>
-                </a:tc>
-              </a:tr>
-              <a:tr h="370840">
-                <a:tc>
-                  <a:txBody>
-                    <a:bodyPr/>
-                    <a:lstStyle/>
-                    <a:p>
-                      <a:pPr marL="0" algn="l" rtl="0" eaLnBrk="1" hangingPunct="1"/>
-                      <a:endParaRPr lang="en-US" sz="1600" b="1" kern="1200">
-                        <a:solidFill>
-                          <a:schemeClr val="tx1">
-                            <a:lumMod val="20000"/>
-                            <a:lumOff val="80000"/>
-                          </a:schemeClr>
-                        </a:solidFill>
-                        <a:effectLst>
-                          <a:outerShdw blurRad="38100" dist="38100" dir="2700000" algn="tl">
-                            <a:srgbClr val="000000">
-                              <a:alpha val="43137"/>
-                            </a:srgbClr>
-                          </a:outerShdw>
-                        </a:effectLst>
-                        <a:latin typeface="+mn-lt"/>
-                        <a:ea typeface="+mn-ea"/>
-                        <a:cs typeface="+mn-cs"/>
-                      </a:endParaRPr>
-                    </a:p>
-                  </a:txBody>
-                  <a:tcPr/>
-                </a:tc>
-                <a:tc>
-                  <a:txBody>
-                    <a:bodyPr/>
-                    <a:lstStyle/>
-                    <a:p>
-                      <a:pPr marL="0" algn="l" rtl="0" eaLnBrk="1" hangingPunct="1"/>
-                      <a:r>
-                        <a:rPr lang="en-US" sz="1600" b="1" kern="1200" dirty="0" smtClean="0">
-                          <a:solidFill>
-                            <a:schemeClr val="tx1">
-                              <a:lumMod val="20000"/>
-                              <a:lumOff val="80000"/>
-                            </a:schemeClr>
-                          </a:solidFill>
-                          <a:effectLst>
-                            <a:outerShdw blurRad="38100" dist="38100" dir="2700000" algn="tl">
-                              <a:srgbClr val="000000">
-                                <a:alpha val="43137"/>
-                              </a:srgbClr>
-                            </a:outerShdw>
-                          </a:effectLst>
-                          <a:latin typeface="+mn-lt"/>
-                          <a:ea typeface="+mn-ea"/>
-                          <a:cs typeface="+mn-cs"/>
-                        </a:rPr>
-                        <a:t>App in menu driven</a:t>
-                      </a:r>
-                      <a:endParaRPr lang="en-US" sz="1600" b="1" kern="1200" dirty="0">
-                        <a:solidFill>
-                          <a:schemeClr val="tx1">
-                            <a:lumMod val="20000"/>
-                            <a:lumOff val="80000"/>
-                          </a:schemeClr>
-                        </a:solidFill>
-                        <a:effectLst>
-                          <a:outerShdw blurRad="38100" dist="38100" dir="2700000" algn="tl">
-                            <a:srgbClr val="000000">
-                              <a:alpha val="43137"/>
-                            </a:srgbClr>
-                          </a:outerShdw>
-                        </a:effectLst>
-                        <a:latin typeface="+mn-lt"/>
-                        <a:ea typeface="+mn-ea"/>
-                        <a:cs typeface="+mn-cs"/>
-                      </a:endParaRPr>
-                    </a:p>
-                  </a:txBody>
-                  <a:tcPr/>
-                </a:tc>
-                <a:tc>
-                  <a:txBody>
-                    <a:bodyPr/>
-                    <a:lstStyle/>
-                    <a:p>
-                      <a:pPr marL="0" algn="l" rtl="0" eaLnBrk="1" hangingPunct="1"/>
-                      <a:r>
-                        <a:rPr lang="en-US" sz="1600" b="1" kern="1200" dirty="0" smtClean="0">
-                          <a:solidFill>
-                            <a:schemeClr val="tx1">
-                              <a:lumMod val="20000"/>
-                              <a:lumOff val="80000"/>
-                            </a:schemeClr>
-                          </a:solidFill>
-                          <a:effectLst>
-                            <a:outerShdw blurRad="38100" dist="38100" dir="2700000" algn="tl">
-                              <a:srgbClr val="000000">
-                                <a:alpha val="43137"/>
-                              </a:srgbClr>
-                            </a:outerShdw>
-                          </a:effectLst>
-                          <a:latin typeface="+mn-lt"/>
-                          <a:ea typeface="+mn-ea"/>
-                          <a:cs typeface="+mn-cs"/>
-                        </a:rPr>
-                        <a:t>App in URL driven</a:t>
-                      </a:r>
-                      <a:endParaRPr lang="en-US" sz="1600" b="1" kern="1200" dirty="0">
-                        <a:solidFill>
-                          <a:schemeClr val="tx1">
-                            <a:lumMod val="20000"/>
-                            <a:lumOff val="80000"/>
-                          </a:schemeClr>
-                        </a:solidFill>
-                        <a:effectLst>
-                          <a:outerShdw blurRad="38100" dist="38100" dir="2700000" algn="tl">
-                            <a:srgbClr val="000000">
-                              <a:alpha val="43137"/>
-                            </a:srgbClr>
-                          </a:outerShdw>
-                        </a:effectLst>
-                        <a:latin typeface="+mn-lt"/>
-                        <a:ea typeface="+mn-ea"/>
-                        <a:cs typeface="+mn-cs"/>
-                      </a:endParaRPr>
-                    </a:p>
-                  </a:txBody>
-                  <a:tcPr/>
-                </a:tc>
-              </a:tr>
-              <a:tr h="370840">
-                <a:tc>
-                  <a:txBody>
-                    <a:bodyPr/>
-                    <a:lstStyle/>
-                    <a:p>
-                      <a:pPr marL="0" algn="l" rtl="0" eaLnBrk="1" hangingPunct="1"/>
-                      <a:endParaRPr lang="en-US" sz="1600" b="1" kern="1200" dirty="0">
-                        <a:solidFill>
-                          <a:schemeClr val="tx1">
-                            <a:lumMod val="20000"/>
-                            <a:lumOff val="80000"/>
-                          </a:schemeClr>
-                        </a:solidFill>
-                        <a:effectLst>
-                          <a:outerShdw blurRad="38100" dist="38100" dir="2700000" algn="tl">
-                            <a:srgbClr val="000000">
-                              <a:alpha val="43137"/>
-                            </a:srgbClr>
-                          </a:outerShdw>
-                        </a:effectLst>
-                        <a:latin typeface="+mn-lt"/>
-                        <a:ea typeface="+mn-ea"/>
-                        <a:cs typeface="+mn-cs"/>
-                      </a:endParaRPr>
-                    </a:p>
-                  </a:txBody>
-                  <a:tcPr/>
-                </a:tc>
-                <a:tc>
-                  <a:txBody>
-                    <a:bodyPr/>
-                    <a:lstStyle/>
-                    <a:p>
-                      <a:pPr marL="0" algn="l" rtl="0" eaLnBrk="1" hangingPunct="1"/>
-                      <a:r>
-                        <a:rPr lang="en-US" sz="1600" b="1" kern="1200" dirty="0" smtClean="0">
-                          <a:solidFill>
-                            <a:schemeClr val="tx1">
-                              <a:lumMod val="20000"/>
-                              <a:lumOff val="80000"/>
-                            </a:schemeClr>
-                          </a:solidFill>
-                          <a:effectLst>
-                            <a:outerShdw blurRad="38100" dist="38100" dir="2700000" algn="tl">
-                              <a:srgbClr val="000000">
-                                <a:alpha val="43137"/>
-                              </a:srgbClr>
-                            </a:outerShdw>
-                          </a:effectLst>
-                          <a:latin typeface="+mn-lt"/>
-                          <a:ea typeface="+mn-ea"/>
-                          <a:cs typeface="+mn-cs"/>
-                        </a:rPr>
-                        <a:t>Known network issues in case of intranet as number of clients and servers are known</a:t>
-                      </a:r>
-                      <a:endParaRPr lang="en-US" sz="1600" b="1" kern="1200" dirty="0">
-                        <a:solidFill>
-                          <a:schemeClr val="tx1">
-                            <a:lumMod val="20000"/>
-                            <a:lumOff val="80000"/>
-                          </a:schemeClr>
-                        </a:solidFill>
-                        <a:effectLst>
-                          <a:outerShdw blurRad="38100" dist="38100" dir="2700000" algn="tl">
-                            <a:srgbClr val="000000">
-                              <a:alpha val="43137"/>
-                            </a:srgbClr>
-                          </a:outerShdw>
-                        </a:effectLst>
-                        <a:latin typeface="+mn-lt"/>
-                        <a:ea typeface="+mn-ea"/>
-                        <a:cs typeface="+mn-cs"/>
-                      </a:endParaRPr>
-                    </a:p>
-                  </a:txBody>
-                  <a:tcPr/>
-                </a:tc>
-                <a:tc>
-                  <a:txBody>
-                    <a:bodyPr/>
-                    <a:lstStyle/>
-                    <a:p>
-                      <a:pPr marL="0" algn="l" rtl="0" eaLnBrk="1" hangingPunct="1"/>
-                      <a:r>
-                        <a:rPr lang="en-US" sz="1600" b="1" kern="1200" dirty="0" smtClean="0">
-                          <a:solidFill>
-                            <a:schemeClr val="tx1">
-                              <a:lumMod val="20000"/>
-                              <a:lumOff val="80000"/>
-                            </a:schemeClr>
-                          </a:solidFill>
-                          <a:effectLst>
-                            <a:outerShdw blurRad="38100" dist="38100" dir="2700000" algn="tl">
-                              <a:srgbClr val="000000">
-                                <a:alpha val="43137"/>
-                              </a:srgbClr>
-                            </a:outerShdw>
-                          </a:effectLst>
-                          <a:latin typeface="+mn-lt"/>
-                          <a:ea typeface="+mn-ea"/>
-                          <a:cs typeface="+mn-cs"/>
-                        </a:rPr>
-                        <a:t>Many issues exist like hardware, browser and version compatibility, security issues, performance issues</a:t>
-                      </a:r>
-                      <a:endParaRPr lang="en-US" sz="1600" b="1" kern="1200" dirty="0">
-                        <a:solidFill>
-                          <a:schemeClr val="tx1">
-                            <a:lumMod val="20000"/>
-                            <a:lumOff val="80000"/>
-                          </a:schemeClr>
-                        </a:solidFill>
-                        <a:effectLst>
-                          <a:outerShdw blurRad="38100" dist="38100" dir="2700000" algn="tl">
-                            <a:srgbClr val="000000">
-                              <a:alpha val="43137"/>
-                            </a:srgbClr>
-                          </a:outerShdw>
-                        </a:effectLst>
-                        <a:latin typeface="+mn-lt"/>
-                        <a:ea typeface="+mn-ea"/>
-                        <a:cs typeface="+mn-cs"/>
-                      </a:endParaRPr>
-                    </a:p>
-                  </a:txBody>
-                  <a:tcPr/>
-                </a:tc>
-              </a:tr>
-              <a:tr h="370840">
-                <a:tc>
-                  <a:txBody>
-                    <a:bodyPr/>
-                    <a:lstStyle/>
-                    <a:p>
-                      <a:pPr marL="0" algn="l" rtl="0" eaLnBrk="1" hangingPunct="1"/>
-                      <a:endParaRPr lang="en-US" sz="1600" b="1" kern="1200" dirty="0">
-                        <a:solidFill>
-                          <a:schemeClr val="tx1">
-                            <a:lumMod val="20000"/>
-                            <a:lumOff val="80000"/>
-                          </a:schemeClr>
-                        </a:solidFill>
-                        <a:effectLst>
-                          <a:outerShdw blurRad="38100" dist="38100" dir="2700000" algn="tl">
-                            <a:srgbClr val="000000">
-                              <a:alpha val="43137"/>
-                            </a:srgbClr>
-                          </a:outerShdw>
-                        </a:effectLst>
-                        <a:latin typeface="+mn-lt"/>
-                        <a:ea typeface="+mn-ea"/>
-                        <a:cs typeface="+mn-cs"/>
-                      </a:endParaRPr>
-                    </a:p>
-                  </a:txBody>
-                  <a:tcPr/>
-                </a:tc>
-                <a:tc>
-                  <a:txBody>
-                    <a:bodyPr/>
-                    <a:lstStyle/>
-                    <a:p>
-                      <a:pPr marL="0" algn="l" rtl="0" eaLnBrk="1" hangingPunct="1"/>
-                      <a:r>
-                        <a:rPr lang="en-US" sz="1600" b="1" kern="1200" dirty="0" smtClean="0">
-                          <a:solidFill>
-                            <a:schemeClr val="tx1">
-                              <a:lumMod val="20000"/>
-                              <a:lumOff val="80000"/>
-                            </a:schemeClr>
-                          </a:solidFill>
-                          <a:effectLst>
-                            <a:outerShdw blurRad="38100" dist="38100" dir="2700000" algn="tl">
-                              <a:srgbClr val="000000">
-                                <a:alpha val="43137"/>
-                              </a:srgbClr>
-                            </a:outerShdw>
-                          </a:effectLst>
-                          <a:latin typeface="+mn-lt"/>
-                          <a:ea typeface="+mn-ea"/>
-                          <a:cs typeface="+mn-cs"/>
-                        </a:rPr>
-                        <a:t>Known users</a:t>
-                      </a:r>
-                      <a:endParaRPr lang="en-US" sz="1600" b="1" kern="1200" dirty="0">
-                        <a:solidFill>
-                          <a:schemeClr val="tx1">
-                            <a:lumMod val="20000"/>
-                            <a:lumOff val="80000"/>
-                          </a:schemeClr>
-                        </a:solidFill>
-                        <a:effectLst>
-                          <a:outerShdw blurRad="38100" dist="38100" dir="2700000" algn="tl">
-                            <a:srgbClr val="000000">
-                              <a:alpha val="43137"/>
-                            </a:srgbClr>
-                          </a:outerShdw>
-                        </a:effectLst>
-                        <a:latin typeface="+mn-lt"/>
-                        <a:ea typeface="+mn-ea"/>
-                        <a:cs typeface="+mn-cs"/>
-                      </a:endParaRPr>
-                    </a:p>
-                  </a:txBody>
-                  <a:tcPr/>
-                </a:tc>
-                <a:tc>
-                  <a:txBody>
-                    <a:bodyPr/>
-                    <a:lstStyle/>
-                    <a:p>
-                      <a:pPr marL="0" algn="l" rtl="0" eaLnBrk="1" hangingPunct="1"/>
-                      <a:r>
-                        <a:rPr lang="en-US" sz="1600" b="1" kern="1200" dirty="0" smtClean="0">
-                          <a:solidFill>
-                            <a:schemeClr val="tx1">
-                              <a:lumMod val="20000"/>
-                              <a:lumOff val="80000"/>
-                            </a:schemeClr>
-                          </a:solidFill>
-                          <a:effectLst>
-                            <a:outerShdw blurRad="38100" dist="38100" dir="2700000" algn="tl">
-                              <a:srgbClr val="000000">
-                                <a:alpha val="43137"/>
-                              </a:srgbClr>
-                            </a:outerShdw>
-                          </a:effectLst>
-                          <a:latin typeface="+mn-lt"/>
-                          <a:ea typeface="+mn-ea"/>
-                          <a:cs typeface="+mn-cs"/>
-                        </a:rPr>
-                        <a:t>Unknown users</a:t>
-                      </a:r>
-                      <a:endParaRPr lang="en-US" sz="1600" b="1" kern="1200" dirty="0">
-                        <a:solidFill>
-                          <a:schemeClr val="tx1">
-                            <a:lumMod val="20000"/>
-                            <a:lumOff val="80000"/>
-                          </a:schemeClr>
-                        </a:solidFill>
-                        <a:effectLst>
-                          <a:outerShdw blurRad="38100" dist="38100" dir="2700000" algn="tl">
-                            <a:srgbClr val="000000">
-                              <a:alpha val="43137"/>
-                            </a:srgbClr>
-                          </a:outerShdw>
-                        </a:effectLst>
-                        <a:latin typeface="+mn-lt"/>
-                        <a:ea typeface="+mn-ea"/>
-                        <a:cs typeface="+mn-cs"/>
-                      </a:endParaRPr>
-                    </a:p>
-                  </a:txBody>
-                  <a:tcPr/>
-                </a:tc>
-              </a:tr>
-            </a:tbl>
-          </a:graphicData>
-        </a:graphic>
-      </p:graphicFrame>
-      <p:sp>
-        <p:nvSpPr>
-          <p:cNvPr id="4" name="Slide Number Placeholder 3"/>
-          <p:cNvSpPr>
-            <a:spLocks noGrp="1"/>
-          </p:cNvSpPr>
-          <p:nvPr>
-            <p:ph type="sldNum" sz="quarter" idx="10"/>
-          </p:nvPr>
-        </p:nvSpPr>
-        <p:spPr/>
-        <p:txBody>
-          <a:bodyPr/>
-          <a:lstStyle/>
-          <a:p>
-            <a:pPr>
-              <a:defRPr/>
-            </a:pPr>
-            <a:fld id="{58452FF4-89E3-4D1B-9927-2DBDC00E58D7}" type="slidenum">
-              <a:rPr lang="en-US" smtClean="0"/>
-              <a:pPr>
-                <a:defRPr/>
-              </a:pPr>
-              <a:t>31</a:t>
-            </a:fld>
-            <a:endParaRPr lang="en-US" dirty="0"/>
-          </a:p>
-        </p:txBody>
-      </p:sp>
-    </p:spTree>
-    <p:extLst>
-      <p:ext uri="{BB962C8B-B14F-4D97-AF65-F5344CB8AC3E}">
-        <p14:creationId xmlns:p14="http://schemas.microsoft.com/office/powerpoint/2010/main" val="1433382436"/>
-      </p:ext>
-    </p:extLst>
-  </p:cSld>
-  <p:clrMapOvr>
-    <a:masterClrMapping/>
-  </p:clrMapOvr>
-  <p:timing>
-    <p:tnLst>
-      <p:par>
-        <p:cTn id="1" dur="indefinite" restart="never" nodeType="tmRoot"/>
-      </p:par>
-    </p:tnLst>
-  </p:timing>
-</p:sld>
-</file>
-
-<file path=ppt/slides/slide32.xml><?xml version="1.0" encoding="utf-8"?>
-<p:sld xmlns:a="http://schemas.openxmlformats.org/drawingml/2006/main" xmlns:r="http://schemas.openxmlformats.org/officeDocument/2006/relationships" xmlns:p="http://schemas.openxmlformats.org/presentationml/2006/main">
-  <p:cSld>
-    <p:spTree>
-      <p:nvGrpSpPr>
-        <p:cNvPr id="1" name=""/>
-        <p:cNvGrpSpPr/>
-        <p:nvPr/>
-      </p:nvGrpSpPr>
-      <p:grpSpPr>
-        <a:xfrm>
-          <a:off x="0" y="0"/>
-          <a:ext cx="0" cy="0"/>
-          <a:chOff x="0" y="0"/>
-          <a:chExt cx="0" cy="0"/>
-        </a:xfrm>
-      </p:grpSpPr>
-      <p:sp>
-        <p:nvSpPr>
           <p:cNvPr id="5" name="Title 4"/>
           <p:cNvSpPr>
             <a:spLocks noGrp="1"/>
@@ -15931,7 +14784,7 @@
 </p:sld>
 </file>
 
-<file path=ppt/slides/slide33.xml><?xml version="1.0" encoding="utf-8"?>
+<file path=ppt/slides/slide32.xml><?xml version="1.0" encoding="utf-8"?>
 <p:sld xmlns:a="http://schemas.openxmlformats.org/drawingml/2006/main" xmlns:r="http://schemas.openxmlformats.org/officeDocument/2006/relationships" xmlns:p="http://schemas.openxmlformats.org/presentationml/2006/main">
   <p:cSld>
     <p:spTree>
